--- a/microservices.pptx
+++ b/microservices.pptx
@@ -3562,84 +3562,173 @@
         </p:nvSpPr>
         <p:spPr>
           <a:xfrm>
-            <a:off x="838200" y="1825625"/>
-            <a:ext cx="10515600" cy="1699453"/>
+            <a:off x="838200" y="1587086"/>
+            <a:ext cx="10515600" cy="4455905"/>
           </a:xfrm>
         </p:spPr>
         <p:txBody>
           <a:bodyPr>
-            <a:normAutofit fontScale="55000" lnSpcReduction="20000"/>
+            <a:normAutofit fontScale="25000" lnSpcReduction="20000"/>
           </a:bodyPr>
           <a:lstStyle/>
           <a:p>
             <a:r>
-              <a:rPr lang="en-US" dirty="0"/>
+              <a:rPr lang="en-US" sz="8000" dirty="0"/>
               <a:t>The Java microservice lib. </a:t>
             </a:r>
             <a:r>
-              <a:rPr lang="en-US" dirty="0" err="1"/>
+              <a:rPr lang="en-US" sz="8000" dirty="0" err="1"/>
               <a:t>QBit</a:t>
             </a:r>
             <a:r>
-              <a:rPr lang="en-US" dirty="0"/>
+              <a:rPr lang="en-US" sz="8000" dirty="0"/>
               <a:t> is a reactive programming lib for building microservices - JSON, HTTP, </a:t>
             </a:r>
             <a:r>
-              <a:rPr lang="en-US" dirty="0" err="1"/>
+              <a:rPr lang="en-US" sz="8000" dirty="0" err="1"/>
               <a:t>WebSocket</a:t>
             </a:r>
             <a:r>
-              <a:rPr lang="en-US" dirty="0"/>
+              <a:rPr lang="en-US" sz="8000" dirty="0"/>
               <a:t>, and REST. </a:t>
             </a:r>
           </a:p>
           <a:p>
-            <a:endParaRPr lang="en-US" dirty="0"/>
-          </a:p>
-          <a:p>
-            <a:r>
-              <a:rPr lang="en-US" b="1" dirty="0" err="1"/>
+            <a:r>
+              <a:rPr lang="en-US" sz="8000" b="1" dirty="0" err="1"/>
               <a:t>EventBus</a:t>
             </a:r>
             <a:r>
-              <a:rPr lang="en-US" dirty="0"/>
+              <a:rPr lang="en-US" sz="8000" dirty="0"/>
               <a:t> </a:t>
             </a:r>
-            <a:r>
-              <a:rPr lang="en-US" dirty="0" err="1"/>
+          </a:p>
+          <a:p>
+            <a:r>
+              <a:rPr lang="en-US" sz="8000" dirty="0" err="1"/>
               <a:t>EventBus</a:t>
             </a:r>
             <a:r>
-              <a:rPr lang="en-US" dirty="0"/>
+              <a:rPr lang="en-US" sz="8000" dirty="0"/>
               <a:t> is a way to send a lot of messages to services that may be loosely coupled. </a:t>
             </a:r>
             <a:r>
-              <a:rPr lang="en-US" dirty="0" err="1"/>
+              <a:rPr lang="en-US" sz="8000" dirty="0" err="1"/>
               <a:t>QBit</a:t>
             </a:r>
             <a:r>
-              <a:rPr lang="en-US" dirty="0"/>
+              <a:rPr lang="en-US" sz="8000" dirty="0"/>
               <a:t> has a high-speed event bus modeled loosely on </a:t>
             </a:r>
             <a:r>
-              <a:rPr lang="en-US" dirty="0" err="1"/>
+              <a:rPr lang="en-US" sz="8000" dirty="0" err="1"/>
               <a:t>Vertx</a:t>
             </a:r>
             <a:r>
-              <a:rPr lang="en-US" dirty="0"/>
+              <a:rPr lang="en-US" sz="8000" dirty="0"/>
               <a:t> style event bus</a:t>
             </a:r>
           </a:p>
           <a:p>
             <a:r>
-              <a:rPr lang="en-US" dirty="0"/>
+              <a:rPr lang="en-US" sz="8000" dirty="0"/>
               <a:t>Very fast.</a:t>
             </a:r>
           </a:p>
           <a:p>
             <a:r>
-              <a:rPr lang="en-US" dirty="0"/>
+              <a:rPr lang="en-US" sz="8000" dirty="0"/>
               <a:t>In-proc but can be integrated with others</a:t>
+            </a:r>
+          </a:p>
+          <a:p>
+            <a:r>
+              <a:rPr lang="en-US" sz="8000" dirty="0" err="1"/>
+              <a:t>QBit</a:t>
+            </a:r>
+            <a:r>
+              <a:rPr lang="en-US" sz="8000" dirty="0"/>
+              <a:t> now has the ability to send events over a remote connection.</a:t>
+            </a:r>
+          </a:p>
+          <a:p>
+            <a:r>
+              <a:rPr lang="en-US" sz="8000" dirty="0" err="1"/>
+              <a:t>EventManager</a:t>
+            </a:r>
+            <a:r>
+              <a:rPr lang="en-US" sz="8000" dirty="0"/>
+              <a:t> talks to an </a:t>
+            </a:r>
+            <a:r>
+              <a:rPr lang="en-US" sz="8000" dirty="0" err="1"/>
+              <a:t>EventBus</a:t>
+            </a:r>
+            <a:r>
+              <a:rPr lang="en-US" sz="8000" dirty="0"/>
+              <a:t> which talks to a series of Channels. Channels are like topics and they manage a collection of listeners. There are adapters that can move an event from a Channel to a </a:t>
+            </a:r>
+            <a:r>
+              <a:rPr lang="en-US" sz="8000" dirty="0" err="1"/>
+              <a:t>ServiceQueue</a:t>
+            </a:r>
+            <a:r>
+              <a:rPr lang="en-US" sz="8000" dirty="0"/>
+              <a:t>.</a:t>
+            </a:r>
+          </a:p>
+          <a:p>
+            <a:r>
+              <a:rPr lang="en-US" sz="8000" dirty="0"/>
+              <a:t>To support integration with other event busses and remote event busses ,it  added the concept of an </a:t>
+            </a:r>
+            <a:r>
+              <a:rPr lang="en-US" sz="8000" dirty="0" err="1"/>
+              <a:t>EventConnector</a:t>
+            </a:r>
+            <a:r>
+              <a:rPr lang="en-US" sz="8000" dirty="0"/>
+              <a:t>. The </a:t>
+            </a:r>
+            <a:r>
+              <a:rPr lang="en-US" sz="8000" dirty="0" err="1"/>
+              <a:t>EventBus</a:t>
+            </a:r>
+            <a:r>
+              <a:rPr lang="en-US" sz="8000" dirty="0"/>
+              <a:t> sends all events to its </a:t>
+            </a:r>
+            <a:r>
+              <a:rPr lang="en-US" sz="8000" dirty="0" err="1"/>
+              <a:t>EventConnector</a:t>
+            </a:r>
+            <a:r>
+              <a:rPr lang="en-US" sz="8000" dirty="0"/>
+              <a:t>. The default </a:t>
+            </a:r>
+            <a:r>
+              <a:rPr lang="en-US" sz="8000" dirty="0" err="1"/>
+              <a:t>EventConnector</a:t>
+            </a:r>
+            <a:r>
+              <a:rPr lang="en-US" sz="8000" dirty="0"/>
+              <a:t> is a no-op </a:t>
+            </a:r>
+            <a:r>
+              <a:rPr lang="en-US" sz="8000" dirty="0" err="1"/>
+              <a:t>EventConnector</a:t>
+            </a:r>
+            <a:r>
+              <a:rPr lang="en-US" sz="8000" dirty="0"/>
+              <a:t>. You can plug in additional event connection with the </a:t>
+            </a:r>
+            <a:r>
+              <a:rPr lang="en-US" sz="8000" dirty="0" err="1"/>
+              <a:t>EventConnector</a:t>
+            </a:r>
+            <a:r>
+              <a:rPr lang="en-US" sz="8000" dirty="0"/>
+              <a:t>.</a:t>
             </a:r>
           </a:p>
           <a:p>
